--- a/CalendarioAgo21/Presentaciones/7_DHCP.pptx
+++ b/CalendarioAgo21/Presentaciones/7_DHCP.pptx
@@ -215,7 +215,7 @@
           <a:p>
             <a:fld id="{2D445F07-8756-451B-A938-0248325FC7BB}" type="datetimeFigureOut">
               <a:rPr lang="es-MX" smtClean="0"/>
-              <a:t>26/04/2021</a:t>
+              <a:t>17/10/2021</a:t>
             </a:fld>
             <a:endParaRPr lang="es-MX" dirty="0"/>
           </a:p>
@@ -1004,7 +1004,7 @@
           <a:p>
             <a:fld id="{5E75A0DC-66C6-4CEC-A5EB-F8C97CEC3796}" type="datetimeFigureOut">
               <a:rPr lang="es-MX" smtClean="0"/>
-              <a:t>26/04/2021</a:t>
+              <a:t>17/10/2021</a:t>
             </a:fld>
             <a:endParaRPr lang="es-MX" dirty="0"/>
           </a:p>
@@ -1174,7 +1174,7 @@
           <a:p>
             <a:fld id="{5E75A0DC-66C6-4CEC-A5EB-F8C97CEC3796}" type="datetimeFigureOut">
               <a:rPr lang="es-MX" smtClean="0"/>
-              <a:t>26/04/2021</a:t>
+              <a:t>17/10/2021</a:t>
             </a:fld>
             <a:endParaRPr lang="es-MX" dirty="0"/>
           </a:p>
@@ -1354,7 +1354,7 @@
           <a:p>
             <a:fld id="{5E75A0DC-66C6-4CEC-A5EB-F8C97CEC3796}" type="datetimeFigureOut">
               <a:rPr lang="es-MX" smtClean="0"/>
-              <a:t>26/04/2021</a:t>
+              <a:t>17/10/2021</a:t>
             </a:fld>
             <a:endParaRPr lang="es-MX" dirty="0"/>
           </a:p>
@@ -1524,7 +1524,7 @@
           <a:p>
             <a:fld id="{5E75A0DC-66C6-4CEC-A5EB-F8C97CEC3796}" type="datetimeFigureOut">
               <a:rPr lang="es-MX" smtClean="0"/>
-              <a:t>26/04/2021</a:t>
+              <a:t>17/10/2021</a:t>
             </a:fld>
             <a:endParaRPr lang="es-MX" dirty="0"/>
           </a:p>
@@ -1770,7 +1770,7 @@
           <a:p>
             <a:fld id="{5E75A0DC-66C6-4CEC-A5EB-F8C97CEC3796}" type="datetimeFigureOut">
               <a:rPr lang="es-MX" smtClean="0"/>
-              <a:t>26/04/2021</a:t>
+              <a:t>17/10/2021</a:t>
             </a:fld>
             <a:endParaRPr lang="es-MX" dirty="0"/>
           </a:p>
@@ -2058,7 +2058,7 @@
           <a:p>
             <a:fld id="{5E75A0DC-66C6-4CEC-A5EB-F8C97CEC3796}" type="datetimeFigureOut">
               <a:rPr lang="es-MX" smtClean="0"/>
-              <a:t>26/04/2021</a:t>
+              <a:t>17/10/2021</a:t>
             </a:fld>
             <a:endParaRPr lang="es-MX" dirty="0"/>
           </a:p>
@@ -2480,7 +2480,7 @@
           <a:p>
             <a:fld id="{5E75A0DC-66C6-4CEC-A5EB-F8C97CEC3796}" type="datetimeFigureOut">
               <a:rPr lang="es-MX" smtClean="0"/>
-              <a:t>26/04/2021</a:t>
+              <a:t>17/10/2021</a:t>
             </a:fld>
             <a:endParaRPr lang="es-MX" dirty="0"/>
           </a:p>
@@ -2598,7 +2598,7 @@
           <a:p>
             <a:fld id="{5E75A0DC-66C6-4CEC-A5EB-F8C97CEC3796}" type="datetimeFigureOut">
               <a:rPr lang="es-MX" smtClean="0"/>
-              <a:t>26/04/2021</a:t>
+              <a:t>17/10/2021</a:t>
             </a:fld>
             <a:endParaRPr lang="es-MX" dirty="0"/>
           </a:p>
@@ -2693,7 +2693,7 @@
           <a:p>
             <a:fld id="{5E75A0DC-66C6-4CEC-A5EB-F8C97CEC3796}" type="datetimeFigureOut">
               <a:rPr lang="es-MX" smtClean="0"/>
-              <a:t>26/04/2021</a:t>
+              <a:t>17/10/2021</a:t>
             </a:fld>
             <a:endParaRPr lang="es-MX" dirty="0"/>
           </a:p>
@@ -2970,7 +2970,7 @@
           <a:p>
             <a:fld id="{5E75A0DC-66C6-4CEC-A5EB-F8C97CEC3796}" type="datetimeFigureOut">
               <a:rPr lang="es-MX" smtClean="0"/>
-              <a:t>26/04/2021</a:t>
+              <a:t>17/10/2021</a:t>
             </a:fld>
             <a:endParaRPr lang="es-MX" dirty="0"/>
           </a:p>
@@ -3223,7 +3223,7 @@
           <a:p>
             <a:fld id="{5E75A0DC-66C6-4CEC-A5EB-F8C97CEC3796}" type="datetimeFigureOut">
               <a:rPr lang="es-MX" smtClean="0"/>
-              <a:t>26/04/2021</a:t>
+              <a:t>17/10/2021</a:t>
             </a:fld>
             <a:endParaRPr lang="es-MX" dirty="0"/>
           </a:p>
@@ -3436,7 +3436,7 @@
           <a:p>
             <a:fld id="{5E75A0DC-66C6-4CEC-A5EB-F8C97CEC3796}" type="datetimeFigureOut">
               <a:rPr lang="es-MX" smtClean="0"/>
-              <a:t>26/04/2021</a:t>
+              <a:t>17/10/2021</a:t>
             </a:fld>
             <a:endParaRPr lang="es-MX" dirty="0"/>
           </a:p>
@@ -4026,12 +4026,12 @@
           <a:graphicData uri="http://schemas.openxmlformats.org/presentationml/2006/ole">
             <mc:AlternateContent xmlns:mc="http://schemas.openxmlformats.org/markup-compatibility/2006">
               <mc:Choice xmlns:v="urn:schemas-microsoft-com:vml" Requires="v">
-                <p:oleObj spid="_x0000_s1049" name="Bitmap Image" r:id="rId4" imgW="1819280" imgH="2552567" progId="PBrush">
+                <p:oleObj name="Bitmap Image" r:id="rId3" imgW="1819280" imgH="2552567" progId="PBrush">
                   <p:embed/>
                 </p:oleObj>
               </mc:Choice>
               <mc:Fallback>
-                <p:oleObj name="Bitmap Image" r:id="rId4" imgW="1819280" imgH="2552567" progId="PBrush">
+                <p:oleObj name="Bitmap Image" r:id="rId3" imgW="1819280" imgH="2552567" progId="PBrush">
                   <p:embed/>
                   <p:pic>
                     <p:nvPicPr>
@@ -4042,7 +4042,7 @@
                       <p:nvPr/>
                     </p:nvPicPr>
                     <p:blipFill>
-                      <a:blip r:embed="rId5">
+                      <a:blip r:embed="rId4">
                         <a:extLst>
                           <a:ext uri="{28A0092B-C50C-407E-A947-70E740481C1C}">
                             <a14:useLocalDpi xmlns:a14="http://schemas.microsoft.com/office/drawing/2010/main" val="0"/>
@@ -9269,7 +9269,7 @@
                 <a:latin typeface="Arial" panose="020B0604020202020204" pitchFamily="34" charset="0"/>
                 <a:cs typeface="Arial" panose="020B0604020202020204" pitchFamily="34" charset="0"/>
               </a:rPr>
-              <a:t>Se instalarán nuevos equipos terminales: un </a:t>
+              <a:t>Se instalarán nuevos equipos terminales: dos </a:t>
             </a:r>
             <a:r>
               <a:rPr lang="es-MX" sz="1600" b="1" dirty="0">
@@ -9281,7 +9281,7 @@
                 <a:latin typeface="Arial" panose="020B0604020202020204" pitchFamily="34" charset="0"/>
                 <a:cs typeface="Arial" panose="020B0604020202020204" pitchFamily="34" charset="0"/>
               </a:rPr>
-              <a:t>servidor</a:t>
+              <a:t>servidores</a:t>
             </a:r>
             <a:r>
               <a:rPr lang="es-MX" sz="1600" dirty="0">
@@ -9293,7 +9293,7 @@
                 <a:latin typeface="Arial" panose="020B0604020202020204" pitchFamily="34" charset="0"/>
                 <a:cs typeface="Arial" panose="020B0604020202020204" pitchFamily="34" charset="0"/>
               </a:rPr>
-              <a:t>, una </a:t>
+              <a:t> y una </a:t>
             </a:r>
             <a:r>
               <a:rPr lang="es-MX" sz="1600" b="1" dirty="0">
@@ -9305,31 +9305,7 @@
                 <a:latin typeface="Arial" panose="020B0604020202020204" pitchFamily="34" charset="0"/>
                 <a:cs typeface="Arial" panose="020B0604020202020204" pitchFamily="34" charset="0"/>
               </a:rPr>
-              <a:t>cámara web </a:t>
-            </a:r>
-            <a:r>
-              <a:rPr lang="es-MX" sz="1600" dirty="0">
-                <a:solidFill>
-                  <a:schemeClr val="bg2">
-                    <a:lumMod val="25000"/>
-                  </a:schemeClr>
-                </a:solidFill>
-                <a:latin typeface="Arial" panose="020B0604020202020204" pitchFamily="34" charset="0"/>
-                <a:cs typeface="Arial" panose="020B0604020202020204" pitchFamily="34" charset="0"/>
-              </a:rPr>
-              <a:t>y una </a:t>
-            </a:r>
-            <a:r>
-              <a:rPr lang="es-MX" sz="1600" b="1" dirty="0">
-                <a:solidFill>
-                  <a:schemeClr val="accent6">
-                    <a:lumMod val="75000"/>
-                  </a:schemeClr>
-                </a:solidFill>
-                <a:latin typeface="Arial" panose="020B0604020202020204" pitchFamily="34" charset="0"/>
-                <a:cs typeface="Arial" panose="020B0604020202020204" pitchFamily="34" charset="0"/>
-              </a:rPr>
-              <a:t>cafetera</a:t>
+              <a:t>impresora</a:t>
             </a:r>
             <a:r>
               <a:rPr lang="es-MX" sz="1600" dirty="0">
